--- a/Presentation.pptx
+++ b/Presentation.pptx
@@ -1159,7 +1159,7 @@
             <a:fld id="{B61BEF0D-F0BB-DE4B-95CE-6DB70DBA9567}" type="datetimeFigureOut">
               <a:rPr lang="en-US" dirty="0"/>
               <a:pPr/>
-              <a:t>2/26/2020</a:t>
+              <a:t>3/3/2020</a:t>
             </a:fld>
             <a:endParaRPr lang="en-US" dirty="0"/>
           </a:p>
@@ -1407,7 +1407,7 @@
             <a:fld id="{B61BEF0D-F0BB-DE4B-95CE-6DB70DBA9567}" type="datetimeFigureOut">
               <a:rPr lang="en-US" dirty="0"/>
               <a:pPr/>
-              <a:t>2/26/2020</a:t>
+              <a:t>3/3/2020</a:t>
             </a:fld>
             <a:endParaRPr lang="en-US" dirty="0"/>
           </a:p>
@@ -1718,7 +1718,7 @@
             <a:fld id="{B61BEF0D-F0BB-DE4B-95CE-6DB70DBA9567}" type="datetimeFigureOut">
               <a:rPr lang="en-US" dirty="0"/>
               <a:pPr/>
-              <a:t>2/26/2020</a:t>
+              <a:t>3/3/2020</a:t>
             </a:fld>
             <a:endParaRPr lang="en-US" dirty="0"/>
           </a:p>
@@ -2056,7 +2056,7 @@
             <a:fld id="{B61BEF0D-F0BB-DE4B-95CE-6DB70DBA9567}" type="datetimeFigureOut">
               <a:rPr lang="en-US" dirty="0"/>
               <a:pPr/>
-              <a:t>2/26/2020</a:t>
+              <a:t>3/3/2020</a:t>
             </a:fld>
             <a:endParaRPr lang="en-US" dirty="0"/>
           </a:p>
@@ -2367,7 +2367,7 @@
             <a:fld id="{B61BEF0D-F0BB-DE4B-95CE-6DB70DBA9567}" type="datetimeFigureOut">
               <a:rPr lang="en-US" dirty="0"/>
               <a:pPr/>
-              <a:t>2/26/2020</a:t>
+              <a:t>3/3/2020</a:t>
             </a:fld>
             <a:endParaRPr lang="en-US" dirty="0"/>
           </a:p>
@@ -2757,7 +2757,7 @@
             <a:fld id="{B61BEF0D-F0BB-DE4B-95CE-6DB70DBA9567}" type="datetimeFigureOut">
               <a:rPr lang="en-US" dirty="0"/>
               <a:pPr/>
-              <a:t>2/26/2020</a:t>
+              <a:t>3/3/2020</a:t>
             </a:fld>
             <a:endParaRPr lang="en-US" dirty="0"/>
           </a:p>
@@ -2923,7 +2923,7 @@
           <a:p>
             <a:fld id="{55C6B4A9-1611-4792-9094-5F34BCA07E0B}" type="datetimeFigureOut">
               <a:rPr lang="en-US" dirty="0"/>
-              <a:t>2/26/2020</a:t>
+              <a:t>3/3/2020</a:t>
             </a:fld>
             <a:endParaRPr lang="en-US" dirty="0"/>
           </a:p>
@@ -3099,7 +3099,7 @@
             <a:fld id="{B61BEF0D-F0BB-DE4B-95CE-6DB70DBA9567}" type="datetimeFigureOut">
               <a:rPr lang="en-US" dirty="0"/>
               <a:pPr/>
-              <a:t>2/26/2020</a:t>
+              <a:t>3/3/2020</a:t>
             </a:fld>
             <a:endParaRPr lang="en-US" dirty="0"/>
           </a:p>
@@ -3272,7 +3272,7 @@
             <a:fld id="{B61BEF0D-F0BB-DE4B-95CE-6DB70DBA9567}" type="datetimeFigureOut">
               <a:rPr lang="en-US" dirty="0"/>
               <a:pPr/>
-              <a:t>2/26/2020</a:t>
+              <a:t>3/3/2020</a:t>
             </a:fld>
             <a:endParaRPr lang="en-US" dirty="0"/>
           </a:p>
@@ -3516,7 +3516,7 @@
             <a:fld id="{B61BEF0D-F0BB-DE4B-95CE-6DB70DBA9567}" type="datetimeFigureOut">
               <a:rPr lang="en-US" dirty="0"/>
               <a:pPr/>
-              <a:t>2/26/2020</a:t>
+              <a:t>3/3/2020</a:t>
             </a:fld>
             <a:endParaRPr lang="en-US" dirty="0"/>
           </a:p>
@@ -3744,7 +3744,7 @@
           <a:p>
             <a:fld id="{EB712588-04B1-427B-82EE-E8DB90309F08}" type="datetimeFigureOut">
               <a:rPr lang="en-US" dirty="0"/>
-              <a:t>2/26/2020</a:t>
+              <a:t>3/3/2020</a:t>
             </a:fld>
             <a:endParaRPr lang="en-US" dirty="0"/>
           </a:p>
@@ -4114,7 +4114,7 @@
             <a:fld id="{B61BEF0D-F0BB-DE4B-95CE-6DB70DBA9567}" type="datetimeFigureOut">
               <a:rPr lang="en-US" dirty="0"/>
               <a:pPr/>
-              <a:t>2/26/2020</a:t>
+              <a:t>3/3/2020</a:t>
             </a:fld>
             <a:endParaRPr lang="en-US" dirty="0"/>
           </a:p>
@@ -4234,7 +4234,7 @@
             <a:fld id="{B61BEF0D-F0BB-DE4B-95CE-6DB70DBA9567}" type="datetimeFigureOut">
               <a:rPr lang="en-US" dirty="0"/>
               <a:pPr/>
-              <a:t>2/26/2020</a:t>
+              <a:t>3/3/2020</a:t>
             </a:fld>
             <a:endParaRPr lang="en-US" dirty="0"/>
           </a:p>
@@ -4326,7 +4326,7 @@
             <a:fld id="{B61BEF0D-F0BB-DE4B-95CE-6DB70DBA9567}" type="datetimeFigureOut">
               <a:rPr lang="en-US" dirty="0"/>
               <a:pPr/>
-              <a:t>2/26/2020</a:t>
+              <a:t>3/3/2020</a:t>
             </a:fld>
             <a:endParaRPr lang="en-US" dirty="0"/>
           </a:p>
@@ -4577,7 +4577,7 @@
           <a:p>
             <a:fld id="{42A54C80-263E-416B-A8E0-580EDEADCBDC}" type="datetimeFigureOut">
               <a:rPr lang="en-US" dirty="0"/>
-              <a:t>2/26/2020</a:t>
+              <a:t>3/3/2020</a:t>
             </a:fld>
             <a:endParaRPr lang="en-US" dirty="0"/>
           </a:p>
@@ -4836,7 +4836,7 @@
             <a:fld id="{B61BEF0D-F0BB-DE4B-95CE-6DB70DBA9567}" type="datetimeFigureOut">
               <a:rPr lang="en-US" dirty="0"/>
               <a:pPr/>
-              <a:t>2/26/2020</a:t>
+              <a:t>3/3/2020</a:t>
             </a:fld>
             <a:endParaRPr lang="en-US" dirty="0"/>
           </a:p>
@@ -5576,7 +5576,7 @@
             <a:fld id="{B61BEF0D-F0BB-DE4B-95CE-6DB70DBA9567}" type="datetimeFigureOut">
               <a:rPr lang="en-US" dirty="0"/>
               <a:pPr/>
-              <a:t>2/26/2020</a:t>
+              <a:t>3/3/2020</a:t>
             </a:fld>
             <a:endParaRPr lang="en-US" dirty="0"/>
           </a:p>
@@ -7109,7 +7109,7 @@
         </p:spPr>
         <p:txBody>
           <a:bodyPr vert="horz" lIns="91440" tIns="45720" rIns="91440" bIns="45720" rtlCol="0" anchor="ctr">
-            <a:normAutofit/>
+            <a:normAutofit fontScale="90000"/>
           </a:bodyPr>
           <a:lstStyle/>
           <a:p>
@@ -7127,7 +7127,23 @@
                   <a:schemeClr val="bg1"/>
                 </a:solidFill>
               </a:rPr>
-              <a:t> de php + base de </a:t>
+              <a:t> de </a:t>
+            </a:r>
+            <a:r>
+              <a:rPr lang="en-US" dirty="0" err="1">
+                <a:solidFill>
+                  <a:schemeClr val="bg1"/>
+                </a:solidFill>
+              </a:rPr>
+              <a:t>nodeJs</a:t>
+            </a:r>
+            <a:r>
+              <a:rPr lang="en-US" dirty="0">
+                <a:solidFill>
+                  <a:schemeClr val="bg1"/>
+                </a:solidFill>
+              </a:rPr>
+              <a:t> &amp; base de </a:t>
             </a:r>
             <a:r>
               <a:rPr lang="en-US" dirty="0" err="1">
@@ -7173,7 +7189,278 @@
           </a:bodyPr>
           <a:lstStyle/>
           <a:p>
-            <a:endParaRPr lang="en-US">
+            <a:r>
+              <a:rPr lang="en-CA" dirty="0">
+                <a:solidFill>
+                  <a:schemeClr val="bg1"/>
+                </a:solidFill>
+              </a:rPr>
+              <a:t>Utilisation de </a:t>
+            </a:r>
+            <a:r>
+              <a:rPr lang="en-CA" dirty="0" err="1">
+                <a:solidFill>
+                  <a:schemeClr val="bg1"/>
+                </a:solidFill>
+              </a:rPr>
+              <a:t>NodeJs</a:t>
+            </a:r>
+            <a:r>
+              <a:rPr lang="en-CA" dirty="0">
+                <a:solidFill>
+                  <a:schemeClr val="bg1"/>
+                </a:solidFill>
+              </a:rPr>
+              <a:t> </a:t>
+            </a:r>
+            <a:r>
+              <a:rPr lang="en-CA" dirty="0" err="1">
+                <a:solidFill>
+                  <a:schemeClr val="bg1"/>
+                </a:solidFill>
+              </a:rPr>
+              <a:t>afin</a:t>
+            </a:r>
+            <a:r>
+              <a:rPr lang="en-CA" dirty="0">
+                <a:solidFill>
+                  <a:schemeClr val="bg1"/>
+                </a:solidFill>
+              </a:rPr>
+              <a:t> de </a:t>
+            </a:r>
+            <a:r>
+              <a:rPr lang="en-CA" dirty="0" err="1">
+                <a:solidFill>
+                  <a:schemeClr val="bg1"/>
+                </a:solidFill>
+              </a:rPr>
+              <a:t>gérer</a:t>
+            </a:r>
+            <a:r>
+              <a:rPr lang="en-CA" dirty="0">
+                <a:solidFill>
+                  <a:schemeClr val="bg1"/>
+                </a:solidFill>
+              </a:rPr>
+              <a:t> le </a:t>
+            </a:r>
+            <a:r>
+              <a:rPr lang="en-CA" dirty="0" err="1">
+                <a:solidFill>
+                  <a:schemeClr val="bg1"/>
+                </a:solidFill>
+              </a:rPr>
+              <a:t>serveur</a:t>
+            </a:r>
+            <a:r>
+              <a:rPr lang="en-CA" dirty="0">
+                <a:solidFill>
+                  <a:schemeClr val="bg1"/>
+                </a:solidFill>
+              </a:rPr>
+              <a:t> </a:t>
+            </a:r>
+            <a:r>
+              <a:rPr lang="en-CA" dirty="0" err="1">
+                <a:solidFill>
+                  <a:schemeClr val="bg1"/>
+                </a:solidFill>
+              </a:rPr>
+              <a:t>en</a:t>
+            </a:r>
+            <a:r>
+              <a:rPr lang="en-CA" dirty="0">
+                <a:solidFill>
+                  <a:schemeClr val="bg1"/>
+                </a:solidFill>
+              </a:rPr>
+              <a:t> </a:t>
+            </a:r>
+            <a:r>
+              <a:rPr lang="en-CA" dirty="0" err="1">
+                <a:solidFill>
+                  <a:schemeClr val="bg1"/>
+                </a:solidFill>
+              </a:rPr>
+              <a:t>backEnd</a:t>
+            </a:r>
+            <a:endParaRPr lang="en-CA" dirty="0">
+              <a:solidFill>
+                <a:schemeClr val="bg1"/>
+              </a:solidFill>
+            </a:endParaRPr>
+          </a:p>
+          <a:p>
+            <a:r>
+              <a:rPr lang="en-CA" dirty="0">
+                <a:solidFill>
+                  <a:schemeClr val="bg1"/>
+                </a:solidFill>
+              </a:rPr>
+              <a:t>Aller </a:t>
+            </a:r>
+            <a:r>
+              <a:rPr lang="en-CA" dirty="0" err="1">
+                <a:solidFill>
+                  <a:schemeClr val="bg1"/>
+                </a:solidFill>
+              </a:rPr>
+              <a:t>chercher</a:t>
+            </a:r>
+            <a:r>
+              <a:rPr lang="en-CA" dirty="0">
+                <a:solidFill>
+                  <a:schemeClr val="bg1"/>
+                </a:solidFill>
+              </a:rPr>
+              <a:t> les </a:t>
+            </a:r>
+            <a:r>
+              <a:rPr lang="en-CA" dirty="0" err="1">
+                <a:solidFill>
+                  <a:schemeClr val="bg1"/>
+                </a:solidFill>
+              </a:rPr>
+              <a:t>données</a:t>
+            </a:r>
+            <a:r>
+              <a:rPr lang="en-CA" dirty="0">
+                <a:solidFill>
+                  <a:schemeClr val="bg1"/>
+                </a:solidFill>
+              </a:rPr>
+              <a:t> </a:t>
+            </a:r>
+            <a:r>
+              <a:rPr lang="en-CA" dirty="0" err="1">
+                <a:solidFill>
+                  <a:schemeClr val="bg1"/>
+                </a:solidFill>
+              </a:rPr>
+              <a:t>insérées</a:t>
+            </a:r>
+            <a:r>
+              <a:rPr lang="en-CA" dirty="0">
+                <a:solidFill>
+                  <a:schemeClr val="bg1"/>
+                </a:solidFill>
+              </a:rPr>
+              <a:t> dans la base de </a:t>
+            </a:r>
+            <a:r>
+              <a:rPr lang="en-CA" dirty="0" err="1">
+                <a:solidFill>
+                  <a:schemeClr val="bg1"/>
+                </a:solidFill>
+              </a:rPr>
+              <a:t>données</a:t>
+            </a:r>
+            <a:r>
+              <a:rPr lang="en-CA" dirty="0">
+                <a:solidFill>
+                  <a:schemeClr val="bg1"/>
+                </a:solidFill>
+              </a:rPr>
+              <a:t> par PHP à </a:t>
+            </a:r>
+            <a:r>
+              <a:rPr lang="en-CA" dirty="0" err="1">
+                <a:solidFill>
+                  <a:schemeClr val="bg1"/>
+                </a:solidFill>
+              </a:rPr>
+              <a:t>l’aide</a:t>
+            </a:r>
+            <a:r>
+              <a:rPr lang="en-CA" dirty="0">
+                <a:solidFill>
+                  <a:schemeClr val="bg1"/>
+                </a:solidFill>
+              </a:rPr>
+              <a:t> des </a:t>
+            </a:r>
+            <a:r>
+              <a:rPr lang="en-CA" dirty="0" err="1">
+                <a:solidFill>
+                  <a:schemeClr val="bg1"/>
+                </a:solidFill>
+              </a:rPr>
+              <a:t>données</a:t>
+            </a:r>
+            <a:r>
+              <a:rPr lang="en-CA" dirty="0">
+                <a:solidFill>
+                  <a:schemeClr val="bg1"/>
+                </a:solidFill>
+              </a:rPr>
+              <a:t> </a:t>
+            </a:r>
+            <a:r>
+              <a:rPr lang="en-CA" dirty="0" err="1">
+                <a:solidFill>
+                  <a:schemeClr val="bg1"/>
+                </a:solidFill>
+              </a:rPr>
+              <a:t>reçus</a:t>
+            </a:r>
+            <a:r>
+              <a:rPr lang="en-CA" dirty="0">
+                <a:solidFill>
+                  <a:schemeClr val="bg1"/>
+                </a:solidFill>
+              </a:rPr>
+              <a:t> des </a:t>
+            </a:r>
+            <a:r>
+              <a:rPr lang="en-CA" dirty="0" err="1">
+                <a:solidFill>
+                  <a:schemeClr val="bg1"/>
+                </a:solidFill>
+              </a:rPr>
+              <a:t>périphériques</a:t>
+            </a:r>
+            <a:r>
+              <a:rPr lang="en-CA" dirty="0">
+                <a:solidFill>
+                  <a:schemeClr val="bg1"/>
+                </a:solidFill>
+              </a:rPr>
+              <a:t> et </a:t>
+            </a:r>
+            <a:r>
+              <a:rPr lang="en-CA" dirty="0" err="1">
+                <a:solidFill>
+                  <a:schemeClr val="bg1"/>
+                </a:solidFill>
+              </a:rPr>
+              <a:t>retransmettre</a:t>
+            </a:r>
+            <a:r>
+              <a:rPr lang="en-CA" dirty="0">
+                <a:solidFill>
+                  <a:schemeClr val="bg1"/>
+                </a:solidFill>
+              </a:rPr>
+              <a:t> le tout au Front End </a:t>
+            </a:r>
+            <a:r>
+              <a:rPr lang="en-CA" dirty="0" err="1">
+                <a:solidFill>
+                  <a:schemeClr val="bg1"/>
+                </a:solidFill>
+              </a:rPr>
+              <a:t>en</a:t>
+            </a:r>
+            <a:r>
+              <a:rPr lang="en-CA" dirty="0">
+                <a:solidFill>
+                  <a:schemeClr val="bg1"/>
+                </a:solidFill>
+              </a:rPr>
+              <a:t> JS</a:t>
+            </a:r>
+            <a:endParaRPr lang="en-US" dirty="0">
               <a:solidFill>
                 <a:schemeClr val="bg1"/>
               </a:solidFill>
@@ -11722,11 +12009,481 @@
         </p:spPr>
         <p:txBody>
           <a:bodyPr vert="horz" lIns="91440" tIns="45720" rIns="91440" bIns="45720" rtlCol="0">
-            <a:normAutofit/>
+            <a:normAutofit fontScale="92500" lnSpcReduction="10000"/>
           </a:bodyPr>
           <a:lstStyle/>
           <a:p>
-            <a:endParaRPr lang="en-US">
+            <a:r>
+              <a:rPr lang="en-CA" dirty="0" err="1">
+                <a:solidFill>
+                  <a:schemeClr val="bg1"/>
+                </a:solidFill>
+              </a:rPr>
+              <a:t>Pouvoir</a:t>
+            </a:r>
+            <a:r>
+              <a:rPr lang="en-CA" dirty="0">
+                <a:solidFill>
+                  <a:schemeClr val="bg1"/>
+                </a:solidFill>
+              </a:rPr>
+              <a:t> lire et </a:t>
+            </a:r>
+            <a:r>
+              <a:rPr lang="en-CA" dirty="0" err="1">
+                <a:solidFill>
+                  <a:schemeClr val="bg1"/>
+                </a:solidFill>
+              </a:rPr>
+              <a:t>afficher</a:t>
+            </a:r>
+            <a:r>
+              <a:rPr lang="en-CA" dirty="0">
+                <a:solidFill>
+                  <a:schemeClr val="bg1"/>
+                </a:solidFill>
+              </a:rPr>
+              <a:t> </a:t>
+            </a:r>
+            <a:r>
+              <a:rPr lang="en-CA" dirty="0" err="1">
+                <a:solidFill>
+                  <a:schemeClr val="bg1"/>
+                </a:solidFill>
+              </a:rPr>
+              <a:t>en</a:t>
+            </a:r>
+            <a:r>
+              <a:rPr lang="en-CA" dirty="0">
+                <a:solidFill>
+                  <a:schemeClr val="bg1"/>
+                </a:solidFill>
+              </a:rPr>
+              <a:t> temps </a:t>
+            </a:r>
+            <a:r>
+              <a:rPr lang="en-CA" dirty="0" err="1">
+                <a:solidFill>
+                  <a:schemeClr val="bg1"/>
+                </a:solidFill>
+              </a:rPr>
+              <a:t>réelle</a:t>
+            </a:r>
+            <a:r>
+              <a:rPr lang="en-CA" dirty="0">
+                <a:solidFill>
+                  <a:schemeClr val="bg1"/>
+                </a:solidFill>
+              </a:rPr>
+              <a:t>, les </a:t>
+            </a:r>
+            <a:r>
+              <a:rPr lang="en-CA" dirty="0" err="1">
+                <a:solidFill>
+                  <a:schemeClr val="bg1"/>
+                </a:solidFill>
+              </a:rPr>
+              <a:t>données</a:t>
+            </a:r>
+            <a:r>
+              <a:rPr lang="en-CA" dirty="0">
+                <a:solidFill>
+                  <a:schemeClr val="bg1"/>
+                </a:solidFill>
+              </a:rPr>
+              <a:t> de </a:t>
+            </a:r>
+            <a:r>
+              <a:rPr lang="en-CA" dirty="0" err="1">
+                <a:solidFill>
+                  <a:schemeClr val="bg1"/>
+                </a:solidFill>
+              </a:rPr>
+              <a:t>l’environnement</a:t>
+            </a:r>
+            <a:r>
+              <a:rPr lang="en-CA" dirty="0">
+                <a:solidFill>
+                  <a:schemeClr val="bg1"/>
+                </a:solidFill>
+              </a:rPr>
+              <a:t> </a:t>
+            </a:r>
+            <a:r>
+              <a:rPr lang="en-CA" dirty="0" err="1">
+                <a:solidFill>
+                  <a:schemeClr val="bg1"/>
+                </a:solidFill>
+              </a:rPr>
+              <a:t>soit</a:t>
+            </a:r>
+            <a:r>
+              <a:rPr lang="en-CA" dirty="0">
+                <a:solidFill>
+                  <a:schemeClr val="bg1"/>
+                </a:solidFill>
+              </a:rPr>
+              <a:t> la </a:t>
+            </a:r>
+            <a:r>
+              <a:rPr lang="en-CA" dirty="0" err="1">
+                <a:solidFill>
+                  <a:schemeClr val="bg1"/>
+                </a:solidFill>
+              </a:rPr>
+              <a:t>température</a:t>
+            </a:r>
+            <a:r>
+              <a:rPr lang="en-CA" dirty="0">
+                <a:solidFill>
+                  <a:schemeClr val="bg1"/>
+                </a:solidFill>
+              </a:rPr>
+              <a:t> et le </a:t>
+            </a:r>
+            <a:r>
+              <a:rPr lang="en-CA" dirty="0" err="1">
+                <a:solidFill>
+                  <a:schemeClr val="bg1"/>
+                </a:solidFill>
+              </a:rPr>
+              <a:t>niveau</a:t>
+            </a:r>
+            <a:r>
+              <a:rPr lang="en-CA" dirty="0">
+                <a:solidFill>
+                  <a:schemeClr val="bg1"/>
+                </a:solidFill>
+              </a:rPr>
+              <a:t> </a:t>
+            </a:r>
+            <a:r>
+              <a:rPr lang="en-CA" dirty="0" err="1">
+                <a:solidFill>
+                  <a:schemeClr val="bg1"/>
+                </a:solidFill>
+              </a:rPr>
+              <a:t>d’humité</a:t>
+            </a:r>
+            <a:endParaRPr lang="en-CA" dirty="0">
+              <a:solidFill>
+                <a:schemeClr val="bg1"/>
+              </a:solidFill>
+            </a:endParaRPr>
+          </a:p>
+          <a:p>
+            <a:r>
+              <a:rPr lang="en-CA" dirty="0" err="1">
+                <a:solidFill>
+                  <a:schemeClr val="bg1"/>
+                </a:solidFill>
+              </a:rPr>
+              <a:t>Pouvoir</a:t>
+            </a:r>
+            <a:r>
+              <a:rPr lang="en-CA" dirty="0">
+                <a:solidFill>
+                  <a:schemeClr val="bg1"/>
+                </a:solidFill>
+              </a:rPr>
+              <a:t> adjuster les deux </a:t>
+            </a:r>
+            <a:r>
+              <a:rPr lang="en-CA" dirty="0" err="1">
+                <a:solidFill>
+                  <a:schemeClr val="bg1"/>
+                </a:solidFill>
+              </a:rPr>
+              <a:t>paramètres</a:t>
+            </a:r>
+            <a:r>
+              <a:rPr lang="en-CA" dirty="0">
+                <a:solidFill>
+                  <a:schemeClr val="bg1"/>
+                </a:solidFill>
+              </a:rPr>
+              <a:t> </a:t>
+            </a:r>
+            <a:r>
+              <a:rPr lang="en-CA" dirty="0" err="1">
+                <a:solidFill>
+                  <a:schemeClr val="bg1"/>
+                </a:solidFill>
+              </a:rPr>
+              <a:t>mentionnées</a:t>
+            </a:r>
+            <a:r>
+              <a:rPr lang="en-CA" dirty="0">
+                <a:solidFill>
+                  <a:schemeClr val="bg1"/>
+                </a:solidFill>
+              </a:rPr>
+              <a:t> ci-</a:t>
+            </a:r>
+            <a:r>
+              <a:rPr lang="en-CA" dirty="0" err="1">
+                <a:solidFill>
+                  <a:schemeClr val="bg1"/>
+                </a:solidFill>
+              </a:rPr>
+              <a:t>haut</a:t>
+            </a:r>
+            <a:r>
+              <a:rPr lang="en-CA" dirty="0">
+                <a:solidFill>
+                  <a:schemeClr val="bg1"/>
+                </a:solidFill>
+              </a:rPr>
+              <a:t> à </a:t>
+            </a:r>
+            <a:r>
+              <a:rPr lang="en-CA" dirty="0" err="1">
+                <a:solidFill>
+                  <a:schemeClr val="bg1"/>
+                </a:solidFill>
+              </a:rPr>
+              <a:t>l’aide</a:t>
+            </a:r>
+            <a:r>
+              <a:rPr lang="en-CA" dirty="0">
+                <a:solidFill>
+                  <a:schemeClr val="bg1"/>
+                </a:solidFill>
+              </a:rPr>
+              <a:t> de </a:t>
+            </a:r>
+            <a:r>
+              <a:rPr lang="en-CA" dirty="0" err="1">
+                <a:solidFill>
+                  <a:schemeClr val="bg1"/>
+                </a:solidFill>
+              </a:rPr>
+              <a:t>périphériques</a:t>
+            </a:r>
+            <a:r>
+              <a:rPr lang="en-CA" dirty="0">
+                <a:solidFill>
+                  <a:schemeClr val="bg1"/>
+                </a:solidFill>
+              </a:rPr>
+              <a:t>, </a:t>
+            </a:r>
+            <a:r>
+              <a:rPr lang="en-CA" dirty="0" err="1">
+                <a:solidFill>
+                  <a:schemeClr val="bg1"/>
+                </a:solidFill>
+              </a:rPr>
+              <a:t>soit</a:t>
+            </a:r>
+            <a:r>
+              <a:rPr lang="en-CA" dirty="0">
+                <a:solidFill>
+                  <a:schemeClr val="bg1"/>
+                </a:solidFill>
+              </a:rPr>
+              <a:t> un </a:t>
+            </a:r>
+            <a:r>
+              <a:rPr lang="en-CA" dirty="0" err="1">
+                <a:solidFill>
+                  <a:schemeClr val="bg1"/>
+                </a:solidFill>
+              </a:rPr>
+              <a:t>ventilateur</a:t>
+            </a:r>
+            <a:r>
+              <a:rPr lang="en-CA" dirty="0">
+                <a:solidFill>
+                  <a:schemeClr val="bg1"/>
+                </a:solidFill>
+              </a:rPr>
+              <a:t> et un </a:t>
+            </a:r>
+            <a:r>
+              <a:rPr lang="en-CA" dirty="0" err="1">
+                <a:solidFill>
+                  <a:schemeClr val="bg1"/>
+                </a:solidFill>
+              </a:rPr>
+              <a:t>brumisateur</a:t>
+            </a:r>
+            <a:r>
+              <a:rPr lang="en-CA" dirty="0">
+                <a:solidFill>
+                  <a:schemeClr val="bg1"/>
+                </a:solidFill>
+              </a:rPr>
+              <a:t> </a:t>
+            </a:r>
+            <a:r>
+              <a:rPr lang="en-CA" dirty="0" err="1">
+                <a:solidFill>
+                  <a:schemeClr val="bg1"/>
+                </a:solidFill>
+              </a:rPr>
+              <a:t>ou</a:t>
+            </a:r>
+            <a:r>
+              <a:rPr lang="en-CA" dirty="0">
+                <a:solidFill>
+                  <a:schemeClr val="bg1"/>
+                </a:solidFill>
+              </a:rPr>
+              <a:t> </a:t>
+            </a:r>
+            <a:r>
+              <a:rPr lang="en-CA" dirty="0" err="1">
+                <a:solidFill>
+                  <a:schemeClr val="bg1"/>
+                </a:solidFill>
+              </a:rPr>
+              <a:t>arroseur</a:t>
+            </a:r>
+            <a:endParaRPr lang="en-CA" dirty="0">
+              <a:solidFill>
+                <a:schemeClr val="bg1"/>
+              </a:solidFill>
+            </a:endParaRPr>
+          </a:p>
+          <a:p>
+            <a:r>
+              <a:rPr lang="en-CA" dirty="0" err="1">
+                <a:solidFill>
+                  <a:schemeClr val="bg1"/>
+                </a:solidFill>
+              </a:rPr>
+              <a:t>Avoir</a:t>
+            </a:r>
+            <a:r>
+              <a:rPr lang="en-CA" dirty="0">
+                <a:solidFill>
+                  <a:schemeClr val="bg1"/>
+                </a:solidFill>
+              </a:rPr>
+              <a:t> un </a:t>
+            </a:r>
+            <a:r>
+              <a:rPr lang="en-CA" dirty="0" err="1">
+                <a:solidFill>
+                  <a:schemeClr val="bg1"/>
+                </a:solidFill>
+              </a:rPr>
+              <a:t>historique</a:t>
+            </a:r>
+            <a:r>
+              <a:rPr lang="en-CA" dirty="0">
+                <a:solidFill>
+                  <a:schemeClr val="bg1"/>
+                </a:solidFill>
+              </a:rPr>
+              <a:t> de </a:t>
+            </a:r>
+            <a:r>
+              <a:rPr lang="en-CA" dirty="0" err="1">
+                <a:solidFill>
+                  <a:schemeClr val="bg1"/>
+                </a:solidFill>
+              </a:rPr>
+              <a:t>données</a:t>
+            </a:r>
+            <a:r>
+              <a:rPr lang="en-CA" dirty="0">
+                <a:solidFill>
+                  <a:schemeClr val="bg1"/>
+                </a:solidFill>
+              </a:rPr>
+              <a:t> </a:t>
+            </a:r>
+            <a:r>
+              <a:rPr lang="en-CA" dirty="0" err="1">
+                <a:solidFill>
+                  <a:schemeClr val="bg1"/>
+                </a:solidFill>
+              </a:rPr>
+              <a:t>afin</a:t>
+            </a:r>
+            <a:r>
+              <a:rPr lang="en-CA" dirty="0">
+                <a:solidFill>
+                  <a:schemeClr val="bg1"/>
+                </a:solidFill>
+              </a:rPr>
+              <a:t> de </a:t>
+            </a:r>
+            <a:r>
+              <a:rPr lang="en-CA" dirty="0" err="1">
+                <a:solidFill>
+                  <a:schemeClr val="bg1"/>
+                </a:solidFill>
+              </a:rPr>
+              <a:t>pouvoir</a:t>
+            </a:r>
+            <a:r>
+              <a:rPr lang="en-CA" dirty="0">
+                <a:solidFill>
+                  <a:schemeClr val="bg1"/>
+                </a:solidFill>
+              </a:rPr>
+              <a:t> adapter les </a:t>
+            </a:r>
+            <a:r>
+              <a:rPr lang="en-CA" dirty="0" err="1">
+                <a:solidFill>
+                  <a:schemeClr val="bg1"/>
+                </a:solidFill>
+              </a:rPr>
+              <a:t>périphériques</a:t>
+            </a:r>
+            <a:r>
+              <a:rPr lang="en-CA" dirty="0">
+                <a:solidFill>
+                  <a:schemeClr val="bg1"/>
+                </a:solidFill>
+              </a:rPr>
+              <a:t> et </a:t>
+            </a:r>
+            <a:r>
+              <a:rPr lang="en-CA" dirty="0" err="1">
+                <a:solidFill>
+                  <a:schemeClr val="bg1"/>
+                </a:solidFill>
+              </a:rPr>
+              <a:t>leur</a:t>
+            </a:r>
+            <a:r>
+              <a:rPr lang="en-CA" dirty="0">
+                <a:solidFill>
+                  <a:schemeClr val="bg1"/>
+                </a:solidFill>
+              </a:rPr>
+              <a:t> </a:t>
+            </a:r>
+            <a:r>
+              <a:rPr lang="en-CA" dirty="0" err="1">
+                <a:solidFill>
+                  <a:schemeClr val="bg1"/>
+                </a:solidFill>
+              </a:rPr>
+              <a:t>fréquence</a:t>
+            </a:r>
+            <a:r>
+              <a:rPr lang="en-CA" dirty="0">
+                <a:solidFill>
+                  <a:schemeClr val="bg1"/>
+                </a:solidFill>
+              </a:rPr>
+              <a:t> de </a:t>
+            </a:r>
+            <a:r>
+              <a:rPr lang="en-CA" dirty="0" err="1">
+                <a:solidFill>
+                  <a:schemeClr val="bg1"/>
+                </a:solidFill>
+              </a:rPr>
+              <a:t>déclenchement</a:t>
+            </a:r>
+            <a:endParaRPr lang="en-US" dirty="0">
               <a:solidFill>
                 <a:schemeClr val="bg1"/>
               </a:solidFill>

--- a/Presentation.pptx
+++ b/Presentation.pptx
@@ -10895,7 +10895,328 @@
           </a:bodyPr>
           <a:lstStyle/>
           <a:p>
-            <a:endParaRPr lang="en-US">
+            <a:r>
+              <a:rPr lang="en-CA" dirty="0">
+                <a:solidFill>
+                  <a:schemeClr val="bg1"/>
+                </a:solidFill>
+              </a:rPr>
+              <a:t>Stockage des </a:t>
+            </a:r>
+            <a:r>
+              <a:rPr lang="en-CA" dirty="0" err="1">
+                <a:solidFill>
+                  <a:schemeClr val="bg1"/>
+                </a:solidFill>
+              </a:rPr>
+              <a:t>données</a:t>
+            </a:r>
+            <a:r>
+              <a:rPr lang="en-CA" dirty="0">
+                <a:solidFill>
+                  <a:schemeClr val="bg1"/>
+                </a:solidFill>
+              </a:rPr>
+              <a:t> </a:t>
+            </a:r>
+            <a:r>
+              <a:rPr lang="en-CA" dirty="0" err="1">
+                <a:solidFill>
+                  <a:schemeClr val="bg1"/>
+                </a:solidFill>
+              </a:rPr>
+              <a:t>prélevé</a:t>
+            </a:r>
+            <a:r>
+              <a:rPr lang="en-CA" dirty="0">
+                <a:solidFill>
+                  <a:schemeClr val="bg1"/>
+                </a:solidFill>
+              </a:rPr>
+              <a:t> par les </a:t>
+            </a:r>
+            <a:r>
+              <a:rPr lang="en-CA" dirty="0" err="1">
+                <a:solidFill>
+                  <a:schemeClr val="bg1"/>
+                </a:solidFill>
+              </a:rPr>
+              <a:t>périphériques</a:t>
+            </a:r>
+            <a:r>
+              <a:rPr lang="en-CA" dirty="0">
+                <a:solidFill>
+                  <a:schemeClr val="bg1"/>
+                </a:solidFill>
+              </a:rPr>
+              <a:t> </a:t>
+            </a:r>
+            <a:r>
+              <a:rPr lang="en-CA" dirty="0" err="1">
+                <a:solidFill>
+                  <a:schemeClr val="bg1"/>
+                </a:solidFill>
+              </a:rPr>
+              <a:t>vers</a:t>
+            </a:r>
+            <a:r>
+              <a:rPr lang="en-CA" dirty="0">
+                <a:solidFill>
+                  <a:schemeClr val="bg1"/>
+                </a:solidFill>
+              </a:rPr>
+              <a:t> </a:t>
+            </a:r>
+            <a:r>
+              <a:rPr lang="en-CA" dirty="0" err="1">
+                <a:solidFill>
+                  <a:schemeClr val="bg1"/>
+                </a:solidFill>
+              </a:rPr>
+              <a:t>une</a:t>
+            </a:r>
+            <a:r>
+              <a:rPr lang="en-CA" dirty="0">
+                <a:solidFill>
+                  <a:schemeClr val="bg1"/>
+                </a:solidFill>
+              </a:rPr>
+              <a:t> base de </a:t>
+            </a:r>
+            <a:r>
+              <a:rPr lang="en-CA" dirty="0" err="1">
+                <a:solidFill>
+                  <a:schemeClr val="bg1"/>
+                </a:solidFill>
+              </a:rPr>
+              <a:t>données</a:t>
+            </a:r>
+            <a:r>
+              <a:rPr lang="en-CA" dirty="0">
+                <a:solidFill>
+                  <a:schemeClr val="bg1"/>
+                </a:solidFill>
+              </a:rPr>
+              <a:t> sur un </a:t>
+            </a:r>
+            <a:r>
+              <a:rPr lang="en-CA" dirty="0" err="1">
+                <a:solidFill>
+                  <a:schemeClr val="bg1"/>
+                </a:solidFill>
+              </a:rPr>
+              <a:t>serveur</a:t>
+            </a:r>
+            <a:r>
+              <a:rPr lang="en-CA" dirty="0">
+                <a:solidFill>
+                  <a:schemeClr val="bg1"/>
+                </a:solidFill>
+              </a:rPr>
+              <a:t>.</a:t>
+            </a:r>
+          </a:p>
+          <a:p>
+            <a:r>
+              <a:rPr lang="en-CA" dirty="0" err="1">
+                <a:solidFill>
+                  <a:schemeClr val="bg1"/>
+                </a:solidFill>
+              </a:rPr>
+              <a:t>Démarrage</a:t>
+            </a:r>
+            <a:r>
+              <a:rPr lang="en-CA" dirty="0">
+                <a:solidFill>
+                  <a:schemeClr val="bg1"/>
+                </a:solidFill>
+              </a:rPr>
+              <a:t> de la fan </a:t>
+            </a:r>
+            <a:r>
+              <a:rPr lang="en-CA" dirty="0" err="1">
+                <a:solidFill>
+                  <a:schemeClr val="bg1"/>
+                </a:solidFill>
+              </a:rPr>
+              <a:t>lorsqu’il</a:t>
+            </a:r>
+            <a:r>
+              <a:rPr lang="en-CA" dirty="0">
+                <a:solidFill>
+                  <a:schemeClr val="bg1"/>
+                </a:solidFill>
+              </a:rPr>
+              <a:t> fait trop </a:t>
+            </a:r>
+            <a:r>
+              <a:rPr lang="en-CA" dirty="0" err="1">
+                <a:solidFill>
+                  <a:schemeClr val="bg1"/>
+                </a:solidFill>
+              </a:rPr>
+              <a:t>chaud</a:t>
+            </a:r>
+            <a:endParaRPr lang="en-CA" dirty="0">
+              <a:solidFill>
+                <a:schemeClr val="bg1"/>
+              </a:solidFill>
+            </a:endParaRPr>
+          </a:p>
+          <a:p>
+            <a:r>
+              <a:rPr lang="en-CA" dirty="0" err="1">
+                <a:solidFill>
+                  <a:schemeClr val="bg1"/>
+                </a:solidFill>
+              </a:rPr>
+              <a:t>Arrosage</a:t>
+            </a:r>
+            <a:r>
+              <a:rPr lang="en-CA" dirty="0">
+                <a:solidFill>
+                  <a:schemeClr val="bg1"/>
+                </a:solidFill>
+              </a:rPr>
+              <a:t> pour un </a:t>
+            </a:r>
+            <a:r>
+              <a:rPr lang="en-CA" dirty="0" err="1">
+                <a:solidFill>
+                  <a:schemeClr val="bg1"/>
+                </a:solidFill>
+              </a:rPr>
+              <a:t>nombre</a:t>
+            </a:r>
+            <a:r>
+              <a:rPr lang="en-CA" dirty="0">
+                <a:solidFill>
+                  <a:schemeClr val="bg1"/>
+                </a:solidFill>
+              </a:rPr>
+              <a:t> de </a:t>
+            </a:r>
+            <a:r>
+              <a:rPr lang="en-CA" dirty="0" err="1">
+                <a:solidFill>
+                  <a:schemeClr val="bg1"/>
+                </a:solidFill>
+              </a:rPr>
+              <a:t>secondes</a:t>
+            </a:r>
+            <a:r>
+              <a:rPr lang="en-CA" dirty="0">
+                <a:solidFill>
+                  <a:schemeClr val="bg1"/>
+                </a:solidFill>
+              </a:rPr>
+              <a:t>/minutes </a:t>
+            </a:r>
+            <a:r>
+              <a:rPr lang="en-CA" dirty="0" err="1">
+                <a:solidFill>
+                  <a:schemeClr val="bg1"/>
+                </a:solidFill>
+              </a:rPr>
+              <a:t>prédéterminées</a:t>
+            </a:r>
+            <a:r>
+              <a:rPr lang="en-CA" dirty="0">
+                <a:solidFill>
+                  <a:schemeClr val="bg1"/>
+                </a:solidFill>
+              </a:rPr>
+              <a:t> </a:t>
+            </a:r>
+            <a:r>
+              <a:rPr lang="en-CA" dirty="0" err="1">
+                <a:solidFill>
+                  <a:schemeClr val="bg1"/>
+                </a:solidFill>
+              </a:rPr>
+              <a:t>lorsque</a:t>
+            </a:r>
+            <a:r>
+              <a:rPr lang="en-CA" dirty="0">
+                <a:solidFill>
+                  <a:schemeClr val="bg1"/>
+                </a:solidFill>
+              </a:rPr>
+              <a:t> la lecture du </a:t>
+            </a:r>
+            <a:r>
+              <a:rPr lang="en-CA" dirty="0" err="1">
+                <a:solidFill>
+                  <a:schemeClr val="bg1"/>
+                </a:solidFill>
+              </a:rPr>
+              <a:t>taux</a:t>
+            </a:r>
+            <a:r>
+              <a:rPr lang="en-CA" dirty="0">
+                <a:solidFill>
+                  <a:schemeClr val="bg1"/>
+                </a:solidFill>
+              </a:rPr>
+              <a:t> </a:t>
+            </a:r>
+            <a:r>
+              <a:rPr lang="en-CA" dirty="0" err="1">
+                <a:solidFill>
+                  <a:schemeClr val="bg1"/>
+                </a:solidFill>
+              </a:rPr>
+              <a:t>d’humitée</a:t>
+            </a:r>
+            <a:r>
+              <a:rPr lang="en-CA" dirty="0">
+                <a:solidFill>
+                  <a:schemeClr val="bg1"/>
+                </a:solidFill>
+              </a:rPr>
+              <a:t> </a:t>
+            </a:r>
+            <a:r>
+              <a:rPr lang="en-CA" dirty="0" err="1">
+                <a:solidFill>
+                  <a:schemeClr val="bg1"/>
+                </a:solidFill>
+              </a:rPr>
+              <a:t>est</a:t>
+            </a:r>
+            <a:r>
+              <a:rPr lang="en-CA" dirty="0">
+                <a:solidFill>
+                  <a:schemeClr val="bg1"/>
+                </a:solidFill>
+              </a:rPr>
+              <a:t> sous un </a:t>
+            </a:r>
+            <a:r>
+              <a:rPr lang="en-CA" dirty="0" err="1">
+                <a:solidFill>
+                  <a:schemeClr val="bg1"/>
+                </a:solidFill>
+              </a:rPr>
+              <a:t>seuil</a:t>
+            </a:r>
+            <a:r>
+              <a:rPr lang="en-CA" dirty="0">
+                <a:solidFill>
+                  <a:schemeClr val="bg1"/>
+                </a:solidFill>
+              </a:rPr>
+              <a:t> </a:t>
+            </a:r>
+            <a:r>
+              <a:rPr lang="en-CA" dirty="0" err="1">
+                <a:solidFill>
+                  <a:schemeClr val="bg1"/>
+                </a:solidFill>
+              </a:rPr>
+              <a:t>établi</a:t>
+            </a:r>
+            <a:endParaRPr lang="en-US" dirty="0">
               <a:solidFill>
                 <a:schemeClr val="bg1"/>
               </a:solidFill>
@@ -17160,7 +17481,7 @@
           </a:bodyPr>
           <a:lstStyle/>
           <a:p>
-            <a:endParaRPr lang="en-US">
+            <a:endParaRPr lang="en-US" dirty="0">
               <a:solidFill>
                 <a:schemeClr val="bg1"/>
               </a:solidFill>
@@ -19492,7 +19813,111 @@
           </a:bodyPr>
           <a:lstStyle/>
           <a:p>
-            <a:endParaRPr lang="en-US">
+            <a:r>
+              <a:rPr lang="en-CA" dirty="0">
+                <a:solidFill>
+                  <a:schemeClr val="bg1"/>
+                </a:solidFill>
+              </a:rPr>
+              <a:t>Gestion </a:t>
+            </a:r>
+            <a:r>
+              <a:rPr lang="en-CA" dirty="0" err="1">
+                <a:solidFill>
+                  <a:schemeClr val="bg1"/>
+                </a:solidFill>
+              </a:rPr>
+              <a:t>automatisé</a:t>
+            </a:r>
+            <a:r>
+              <a:rPr lang="en-CA" dirty="0">
+                <a:solidFill>
+                  <a:schemeClr val="bg1"/>
+                </a:solidFill>
+              </a:rPr>
+              <a:t> </a:t>
+            </a:r>
+            <a:r>
+              <a:rPr lang="en-CA" dirty="0" err="1">
+                <a:solidFill>
+                  <a:schemeClr val="bg1"/>
+                </a:solidFill>
+              </a:rPr>
+              <a:t>d’environnement</a:t>
+            </a:r>
+            <a:r>
+              <a:rPr lang="en-CA" dirty="0">
+                <a:solidFill>
+                  <a:schemeClr val="bg1"/>
+                </a:solidFill>
+              </a:rPr>
+              <a:t> que </a:t>
+            </a:r>
+            <a:r>
+              <a:rPr lang="en-CA" dirty="0" err="1">
+                <a:solidFill>
+                  <a:schemeClr val="bg1"/>
+                </a:solidFill>
+              </a:rPr>
+              <a:t>ce</a:t>
+            </a:r>
+            <a:r>
+              <a:rPr lang="en-CA" dirty="0">
+                <a:solidFill>
+                  <a:schemeClr val="bg1"/>
+                </a:solidFill>
+              </a:rPr>
+              <a:t> </a:t>
+            </a:r>
+            <a:r>
+              <a:rPr lang="en-CA" dirty="0" err="1">
+                <a:solidFill>
+                  <a:schemeClr val="bg1"/>
+                </a:solidFill>
+              </a:rPr>
+              <a:t>soit</a:t>
+            </a:r>
+            <a:r>
+              <a:rPr lang="en-CA" dirty="0">
+                <a:solidFill>
+                  <a:schemeClr val="bg1"/>
+                </a:solidFill>
+              </a:rPr>
+              <a:t> de type terrarium pour un reptile que </a:t>
+            </a:r>
+            <a:r>
+              <a:rPr lang="en-CA" dirty="0" err="1">
+                <a:solidFill>
+                  <a:schemeClr val="bg1"/>
+                </a:solidFill>
+              </a:rPr>
+              <a:t>serre</a:t>
+            </a:r>
+            <a:r>
+              <a:rPr lang="en-CA" dirty="0">
+                <a:solidFill>
+                  <a:schemeClr val="bg1"/>
+                </a:solidFill>
+              </a:rPr>
+              <a:t> pour </a:t>
+            </a:r>
+            <a:r>
+              <a:rPr lang="en-CA" dirty="0" err="1">
+                <a:solidFill>
+                  <a:schemeClr val="bg1"/>
+                </a:solidFill>
+              </a:rPr>
+              <a:t>une</a:t>
+            </a:r>
+            <a:r>
+              <a:rPr lang="en-CA" dirty="0">
+                <a:solidFill>
+                  <a:schemeClr val="bg1"/>
+                </a:solidFill>
+              </a:rPr>
+              <a:t> plante</a:t>
+            </a:r>
+            <a:endParaRPr lang="en-US" dirty="0">
               <a:solidFill>
                 <a:schemeClr val="bg1"/>
               </a:solidFill>

--- a/Presentation.pptx
+++ b/Presentation.pptx
@@ -135,307 +135,6 @@
 </p1510:revInfo>
 </file>
 
-<file path=ppt/changesInfos/changesInfo1.xml><?xml version="1.0" encoding="utf-8"?>
-<pc:chgInfo xmlns:a="http://schemas.openxmlformats.org/drawingml/2006/main" xmlns:r="http://schemas.openxmlformats.org/officeDocument/2006/relationships" xmlns:ac="http://schemas.microsoft.com/office/drawing/2013/main/command" xmlns:pc="http://schemas.microsoft.com/office/powerpoint/2013/main/command">
-  <pc:docChgLst>
-    <pc:chgData name="Tom Landry" userId="1e132b29a63f6286" providerId="LiveId" clId="{D8DF4BCD-8924-482F-8EC5-F95EAA6DEA8B}"/>
-    <pc:docChg chg="custSel addSld modSld">
-      <pc:chgData name="Tom Landry" userId="1e132b29a63f6286" providerId="LiveId" clId="{D8DF4BCD-8924-482F-8EC5-F95EAA6DEA8B}" dt="2020-02-26T22:56:21.214" v="210"/>
-      <pc:docMkLst>
-        <pc:docMk/>
-      </pc:docMkLst>
-      <pc:sldChg chg="modSp">
-        <pc:chgData name="Tom Landry" userId="1e132b29a63f6286" providerId="LiveId" clId="{D8DF4BCD-8924-482F-8EC5-F95EAA6DEA8B}" dt="2020-02-26T18:02:15.518" v="48" actId="1076"/>
-        <pc:sldMkLst>
-          <pc:docMk/>
-          <pc:sldMk cId="2823235498" sldId="259"/>
-        </pc:sldMkLst>
-        <pc:picChg chg="mod">
-          <ac:chgData name="Tom Landry" userId="1e132b29a63f6286" providerId="LiveId" clId="{D8DF4BCD-8924-482F-8EC5-F95EAA6DEA8B}" dt="2020-02-26T18:02:15.518" v="48" actId="1076"/>
-          <ac:picMkLst>
-            <pc:docMk/>
-            <pc:sldMk cId="2823235498" sldId="259"/>
-            <ac:picMk id="2050" creationId="{6DDDA4E9-FB75-4FA3-8402-60EBD5F648BC}"/>
-          </ac:picMkLst>
-        </pc:picChg>
-      </pc:sldChg>
-      <pc:sldChg chg="modSp">
-        <pc:chgData name="Tom Landry" userId="1e132b29a63f6286" providerId="LiveId" clId="{D8DF4BCD-8924-482F-8EC5-F95EAA6DEA8B}" dt="2020-02-26T18:02:56.235" v="49"/>
-        <pc:sldMkLst>
-          <pc:docMk/>
-          <pc:sldMk cId="1401432113" sldId="264"/>
-        </pc:sldMkLst>
-        <pc:spChg chg="mod">
-          <ac:chgData name="Tom Landry" userId="1e132b29a63f6286" providerId="LiveId" clId="{D8DF4BCD-8924-482F-8EC5-F95EAA6DEA8B}" dt="2020-02-26T18:02:56.235" v="49"/>
-          <ac:spMkLst>
-            <pc:docMk/>
-            <pc:sldMk cId="1401432113" sldId="264"/>
-            <ac:spMk id="2" creationId="{35BC4441-2FFD-4C23-9148-9E7BCD31490E}"/>
-          </ac:spMkLst>
-        </pc:spChg>
-      </pc:sldChg>
-      <pc:sldChg chg="modSp">
-        <pc:chgData name="Tom Landry" userId="1e132b29a63f6286" providerId="LiveId" clId="{D8DF4BCD-8924-482F-8EC5-F95EAA6DEA8B}" dt="2020-02-26T18:03:01.391" v="50"/>
-        <pc:sldMkLst>
-          <pc:docMk/>
-          <pc:sldMk cId="1628551225" sldId="265"/>
-        </pc:sldMkLst>
-        <pc:spChg chg="mod">
-          <ac:chgData name="Tom Landry" userId="1e132b29a63f6286" providerId="LiveId" clId="{D8DF4BCD-8924-482F-8EC5-F95EAA6DEA8B}" dt="2020-02-26T18:03:01.391" v="50"/>
-          <ac:spMkLst>
-            <pc:docMk/>
-            <pc:sldMk cId="1628551225" sldId="265"/>
-            <ac:spMk id="2" creationId="{35BC4441-2FFD-4C23-9148-9E7BCD31490E}"/>
-          </ac:spMkLst>
-        </pc:spChg>
-      </pc:sldChg>
-      <pc:sldChg chg="modSp mod">
-        <pc:chgData name="Tom Landry" userId="1e132b29a63f6286" providerId="LiveId" clId="{D8DF4BCD-8924-482F-8EC5-F95EAA6DEA8B}" dt="2020-02-26T18:03:26.338" v="73" actId="1076"/>
-        <pc:sldMkLst>
-          <pc:docMk/>
-          <pc:sldMk cId="3256611581" sldId="266"/>
-        </pc:sldMkLst>
-        <pc:spChg chg="mod">
-          <ac:chgData name="Tom Landry" userId="1e132b29a63f6286" providerId="LiveId" clId="{D8DF4BCD-8924-482F-8EC5-F95EAA6DEA8B}" dt="2020-02-26T18:03:26.338" v="73" actId="1076"/>
-          <ac:spMkLst>
-            <pc:docMk/>
-            <pc:sldMk cId="3256611581" sldId="266"/>
-            <ac:spMk id="2" creationId="{35BC4441-2FFD-4C23-9148-9E7BCD31490E}"/>
-          </ac:spMkLst>
-        </pc:spChg>
-      </pc:sldChg>
-      <pc:sldChg chg="addSp delSp modSp mod">
-        <pc:chgData name="Tom Landry" userId="1e132b29a63f6286" providerId="LiveId" clId="{D8DF4BCD-8924-482F-8EC5-F95EAA6DEA8B}" dt="2020-02-26T18:03:56.333" v="77" actId="478"/>
-        <pc:sldMkLst>
-          <pc:docMk/>
-          <pc:sldMk cId="2252426738" sldId="267"/>
-        </pc:sldMkLst>
-        <pc:spChg chg="del mod">
-          <ac:chgData name="Tom Landry" userId="1e132b29a63f6286" providerId="LiveId" clId="{D8DF4BCD-8924-482F-8EC5-F95EAA6DEA8B}" dt="2020-02-26T18:03:56.333" v="77" actId="478"/>
-          <ac:spMkLst>
-            <pc:docMk/>
-            <pc:sldMk cId="2252426738" sldId="267"/>
-            <ac:spMk id="2" creationId="{35BC4441-2FFD-4C23-9148-9E7BCD31490E}"/>
-          </ac:spMkLst>
-        </pc:spChg>
-        <pc:spChg chg="add mod">
-          <ac:chgData name="Tom Landry" userId="1e132b29a63f6286" providerId="LiveId" clId="{D8DF4BCD-8924-482F-8EC5-F95EAA6DEA8B}" dt="2020-02-26T18:03:56.333" v="77" actId="478"/>
-          <ac:spMkLst>
-            <pc:docMk/>
-            <pc:sldMk cId="2252426738" sldId="267"/>
-            <ac:spMk id="6" creationId="{D8356927-740C-4F5C-BBBA-225A55F09B68}"/>
-          </ac:spMkLst>
-        </pc:spChg>
-        <pc:spChg chg="add">
-          <ac:chgData name="Tom Landry" userId="1e132b29a63f6286" providerId="LiveId" clId="{D8DF4BCD-8924-482F-8EC5-F95EAA6DEA8B}" dt="2020-02-26T18:03:51.358" v="76"/>
-          <ac:spMkLst>
-            <pc:docMk/>
-            <pc:sldMk cId="2252426738" sldId="267"/>
-            <ac:spMk id="21" creationId="{128C325E-3E9F-421B-8035-DD5A9C1D962F}"/>
-          </ac:spMkLst>
-        </pc:spChg>
-      </pc:sldChg>
-      <pc:sldChg chg="modSp mod">
-        <pc:chgData name="Tom Landry" userId="1e132b29a63f6286" providerId="LiveId" clId="{D8DF4BCD-8924-482F-8EC5-F95EAA6DEA8B}" dt="2020-02-26T17:54:24.540" v="23" actId="20577"/>
-        <pc:sldMkLst>
-          <pc:docMk/>
-          <pc:sldMk cId="2347676281" sldId="268"/>
-        </pc:sldMkLst>
-        <pc:spChg chg="mod">
-          <ac:chgData name="Tom Landry" userId="1e132b29a63f6286" providerId="LiveId" clId="{D8DF4BCD-8924-482F-8EC5-F95EAA6DEA8B}" dt="2020-02-26T17:54:24.540" v="23" actId="20577"/>
-          <ac:spMkLst>
-            <pc:docMk/>
-            <pc:sldMk cId="2347676281" sldId="268"/>
-            <ac:spMk id="2" creationId="{35BC4441-2FFD-4C23-9148-9E7BCD31490E}"/>
-          </ac:spMkLst>
-        </pc:spChg>
-      </pc:sldChg>
-      <pc:sldChg chg="modSp mod">
-        <pc:chgData name="Tom Landry" userId="1e132b29a63f6286" providerId="LiveId" clId="{D8DF4BCD-8924-482F-8EC5-F95EAA6DEA8B}" dt="2020-02-26T17:54:34.805" v="37" actId="20577"/>
-        <pc:sldMkLst>
-          <pc:docMk/>
-          <pc:sldMk cId="1720402111" sldId="269"/>
-        </pc:sldMkLst>
-        <pc:spChg chg="mod">
-          <ac:chgData name="Tom Landry" userId="1e132b29a63f6286" providerId="LiveId" clId="{D8DF4BCD-8924-482F-8EC5-F95EAA6DEA8B}" dt="2020-02-26T17:54:34.805" v="37" actId="20577"/>
-          <ac:spMkLst>
-            <pc:docMk/>
-            <pc:sldMk cId="1720402111" sldId="269"/>
-            <ac:spMk id="2" creationId="{35BC4441-2FFD-4C23-9148-9E7BCD31490E}"/>
-          </ac:spMkLst>
-        </pc:spChg>
-      </pc:sldChg>
-      <pc:sldChg chg="addSp delSp modSp mod">
-        <pc:chgData name="Tom Landry" userId="1e132b29a63f6286" providerId="LiveId" clId="{D8DF4BCD-8924-482F-8EC5-F95EAA6DEA8B}" dt="2020-02-26T22:56:21.214" v="210"/>
-        <pc:sldMkLst>
-          <pc:docMk/>
-          <pc:sldMk cId="820780929" sldId="270"/>
-        </pc:sldMkLst>
-        <pc:spChg chg="mod">
-          <ac:chgData name="Tom Landry" userId="1e132b29a63f6286" providerId="LiveId" clId="{D8DF4BCD-8924-482F-8EC5-F95EAA6DEA8B}" dt="2020-02-26T18:01:46.266" v="47" actId="20577"/>
-          <ac:spMkLst>
-            <pc:docMk/>
-            <pc:sldMk cId="820780929" sldId="270"/>
-            <ac:spMk id="2" creationId="{35BC4441-2FFD-4C23-9148-9E7BCD31490E}"/>
-          </ac:spMkLst>
-        </pc:spChg>
-        <pc:spChg chg="add del mod">
-          <ac:chgData name="Tom Landry" userId="1e132b29a63f6286" providerId="LiveId" clId="{D8DF4BCD-8924-482F-8EC5-F95EAA6DEA8B}" dt="2020-02-26T18:07:02.264" v="79" actId="478"/>
-          <ac:spMkLst>
-            <pc:docMk/>
-            <pc:sldMk cId="820780929" sldId="270"/>
-            <ac:spMk id="6" creationId="{C9A409A3-CCD7-4C99-BE83-667A2E9390E6}"/>
-          </ac:spMkLst>
-        </pc:spChg>
-        <pc:picChg chg="del">
-          <ac:chgData name="Tom Landry" userId="1e132b29a63f6286" providerId="LiveId" clId="{D8DF4BCD-8924-482F-8EC5-F95EAA6DEA8B}" dt="2020-02-26T18:07:00.783" v="78" actId="478"/>
-          <ac:picMkLst>
-            <pc:docMk/>
-            <pc:sldMk cId="820780929" sldId="270"/>
-            <ac:picMk id="5" creationId="{A02AF2BC-1399-4D1F-B41C-FF0C2A096C11}"/>
-          </ac:picMkLst>
-        </pc:picChg>
-        <pc:picChg chg="add del mod">
-          <ac:chgData name="Tom Landry" userId="1e132b29a63f6286" providerId="LiveId" clId="{D8DF4BCD-8924-482F-8EC5-F95EAA6DEA8B}" dt="2020-02-26T22:56:17.857" v="206" actId="478"/>
-          <ac:picMkLst>
-            <pc:docMk/>
-            <pc:sldMk cId="820780929" sldId="270"/>
-            <ac:picMk id="7" creationId="{9C120A1C-AD37-407E-B94A-2CD745DDE054}"/>
-          </ac:picMkLst>
-        </pc:picChg>
-        <pc:picChg chg="add del mod">
-          <ac:chgData name="Tom Landry" userId="1e132b29a63f6286" providerId="LiveId" clId="{D8DF4BCD-8924-482F-8EC5-F95EAA6DEA8B}" dt="2020-02-26T22:56:17.121" v="205" actId="478"/>
-          <ac:picMkLst>
-            <pc:docMk/>
-            <pc:sldMk cId="820780929" sldId="270"/>
-            <ac:picMk id="8" creationId="{163003B3-B93C-4A95-B0CC-8D121BFEC645}"/>
-          </ac:picMkLst>
-        </pc:picChg>
-        <pc:picChg chg="add del mod ord">
-          <ac:chgData name="Tom Landry" userId="1e132b29a63f6286" providerId="LiveId" clId="{D8DF4BCD-8924-482F-8EC5-F95EAA6DEA8B}" dt="2020-02-26T22:56:18.441" v="207" actId="478"/>
-          <ac:picMkLst>
-            <pc:docMk/>
-            <pc:sldMk cId="820780929" sldId="270"/>
-            <ac:picMk id="9" creationId="{181A7546-675E-4EA0-B5CA-F4DD69FFF104}"/>
-          </ac:picMkLst>
-        </pc:picChg>
-        <pc:picChg chg="add del mod">
-          <ac:chgData name="Tom Landry" userId="1e132b29a63f6286" providerId="LiveId" clId="{D8DF4BCD-8924-482F-8EC5-F95EAA6DEA8B}" dt="2020-02-26T22:56:19.695" v="209" actId="478"/>
-          <ac:picMkLst>
-            <pc:docMk/>
-            <pc:sldMk cId="820780929" sldId="270"/>
-            <ac:picMk id="21" creationId="{950949AB-0827-470F-8274-EF76D13143F7}"/>
-          </ac:picMkLst>
-        </pc:picChg>
-        <pc:picChg chg="add del mod">
-          <ac:chgData name="Tom Landry" userId="1e132b29a63f6286" providerId="LiveId" clId="{D8DF4BCD-8924-482F-8EC5-F95EAA6DEA8B}" dt="2020-02-26T22:56:19.099" v="208" actId="478"/>
-          <ac:picMkLst>
-            <pc:docMk/>
-            <pc:sldMk cId="820780929" sldId="270"/>
-            <ac:picMk id="23" creationId="{42545F6D-B9B7-47B7-B643-C3BB5CD7EA27}"/>
-          </ac:picMkLst>
-        </pc:picChg>
-        <pc:picChg chg="add">
-          <ac:chgData name="Tom Landry" userId="1e132b29a63f6286" providerId="LiveId" clId="{D8DF4BCD-8924-482F-8EC5-F95EAA6DEA8B}" dt="2020-02-26T22:56:21.214" v="210"/>
-          <ac:picMkLst>
-            <pc:docMk/>
-            <pc:sldMk cId="820780929" sldId="270"/>
-            <ac:picMk id="27" creationId="{32922BFD-DF34-4797-B186-9397DABA7766}"/>
-          </ac:picMkLst>
-        </pc:picChg>
-        <pc:picChg chg="add">
-          <ac:chgData name="Tom Landry" userId="1e132b29a63f6286" providerId="LiveId" clId="{D8DF4BCD-8924-482F-8EC5-F95EAA6DEA8B}" dt="2020-02-26T22:56:21.214" v="210"/>
-          <ac:picMkLst>
-            <pc:docMk/>
-            <pc:sldMk cId="820780929" sldId="270"/>
-            <ac:picMk id="29" creationId="{7DC864FB-9FBD-43DB-BD04-254C30FA86AC}"/>
-          </ac:picMkLst>
-        </pc:picChg>
-        <pc:picChg chg="add">
-          <ac:chgData name="Tom Landry" userId="1e132b29a63f6286" providerId="LiveId" clId="{D8DF4BCD-8924-482F-8EC5-F95EAA6DEA8B}" dt="2020-02-26T22:56:21.214" v="210"/>
-          <ac:picMkLst>
-            <pc:docMk/>
-            <pc:sldMk cId="820780929" sldId="270"/>
-            <ac:picMk id="30" creationId="{DD83D3C8-E408-4CE4-9221-11AFF430F1B9}"/>
-          </ac:picMkLst>
-        </pc:picChg>
-        <pc:picChg chg="add">
-          <ac:chgData name="Tom Landry" userId="1e132b29a63f6286" providerId="LiveId" clId="{D8DF4BCD-8924-482F-8EC5-F95EAA6DEA8B}" dt="2020-02-26T22:56:21.214" v="210"/>
-          <ac:picMkLst>
-            <pc:docMk/>
-            <pc:sldMk cId="820780929" sldId="270"/>
-            <ac:picMk id="31" creationId="{3B52B82D-FF2D-41B4-967C-AEC333E05FB9}"/>
-          </ac:picMkLst>
-        </pc:picChg>
-        <pc:picChg chg="add">
-          <ac:chgData name="Tom Landry" userId="1e132b29a63f6286" providerId="LiveId" clId="{D8DF4BCD-8924-482F-8EC5-F95EAA6DEA8B}" dt="2020-02-26T22:56:21.214" v="210"/>
-          <ac:picMkLst>
-            <pc:docMk/>
-            <pc:sldMk cId="820780929" sldId="270"/>
-            <ac:picMk id="32" creationId="{D991C917-DB46-416F-A18B-F0C69E244D4A}"/>
-          </ac:picMkLst>
-        </pc:picChg>
-      </pc:sldChg>
-      <pc:sldChg chg="modSp add mod">
-        <pc:chgData name="Tom Landry" userId="1e132b29a63f6286" providerId="LiveId" clId="{D8DF4BCD-8924-482F-8EC5-F95EAA6DEA8B}" dt="2020-02-26T22:56:05.889" v="204" actId="20577"/>
-        <pc:sldMkLst>
-          <pc:docMk/>
-          <pc:sldMk cId="2259676129" sldId="271"/>
-        </pc:sldMkLst>
-        <pc:spChg chg="mod">
-          <ac:chgData name="Tom Landry" userId="1e132b29a63f6286" providerId="LiveId" clId="{D8DF4BCD-8924-482F-8EC5-F95EAA6DEA8B}" dt="2020-02-26T22:56:05.889" v="204" actId="20577"/>
-          <ac:spMkLst>
-            <pc:docMk/>
-            <pc:sldMk cId="2259676129" sldId="271"/>
-            <ac:spMk id="2" creationId="{35BC4441-2FFD-4C23-9148-9E7BCD31490E}"/>
-          </ac:spMkLst>
-        </pc:spChg>
-        <pc:picChg chg="mod">
-          <ac:chgData name="Tom Landry" userId="1e132b29a63f6286" providerId="LiveId" clId="{D8DF4BCD-8924-482F-8EC5-F95EAA6DEA8B}" dt="2020-02-26T22:55:57.496" v="194" actId="1038"/>
-          <ac:picMkLst>
-            <pc:docMk/>
-            <pc:sldMk cId="2259676129" sldId="271"/>
-            <ac:picMk id="7" creationId="{9C120A1C-AD37-407E-B94A-2CD745DDE054}"/>
-          </ac:picMkLst>
-        </pc:picChg>
-        <pc:picChg chg="mod">
-          <ac:chgData name="Tom Landry" userId="1e132b29a63f6286" providerId="LiveId" clId="{D8DF4BCD-8924-482F-8EC5-F95EAA6DEA8B}" dt="2020-02-26T22:55:57.496" v="194" actId="1038"/>
-          <ac:picMkLst>
-            <pc:docMk/>
-            <pc:sldMk cId="2259676129" sldId="271"/>
-            <ac:picMk id="8" creationId="{163003B3-B93C-4A95-B0CC-8D121BFEC645}"/>
-          </ac:picMkLst>
-        </pc:picChg>
-        <pc:picChg chg="mod">
-          <ac:chgData name="Tom Landry" userId="1e132b29a63f6286" providerId="LiveId" clId="{D8DF4BCD-8924-482F-8EC5-F95EAA6DEA8B}" dt="2020-02-26T22:55:57.496" v="194" actId="1038"/>
-          <ac:picMkLst>
-            <pc:docMk/>
-            <pc:sldMk cId="2259676129" sldId="271"/>
-            <ac:picMk id="9" creationId="{181A7546-675E-4EA0-B5CA-F4DD69FFF104}"/>
-          </ac:picMkLst>
-        </pc:picChg>
-        <pc:picChg chg="mod">
-          <ac:chgData name="Tom Landry" userId="1e132b29a63f6286" providerId="LiveId" clId="{D8DF4BCD-8924-482F-8EC5-F95EAA6DEA8B}" dt="2020-02-26T22:55:57.496" v="194" actId="1038"/>
-          <ac:picMkLst>
-            <pc:docMk/>
-            <pc:sldMk cId="2259676129" sldId="271"/>
-            <ac:picMk id="21" creationId="{950949AB-0827-470F-8274-EF76D13143F7}"/>
-          </ac:picMkLst>
-        </pc:picChg>
-        <pc:picChg chg="mod">
-          <ac:chgData name="Tom Landry" userId="1e132b29a63f6286" providerId="LiveId" clId="{D8DF4BCD-8924-482F-8EC5-F95EAA6DEA8B}" dt="2020-02-26T22:55:57.496" v="194" actId="1038"/>
-          <ac:picMkLst>
-            <pc:docMk/>
-            <pc:sldMk cId="2259676129" sldId="271"/>
-            <ac:picMk id="23" creationId="{42545F6D-B9B7-47B7-B643-C3BB5CD7EA27}"/>
-          </ac:picMkLst>
-        </pc:picChg>
-      </pc:sldChg>
-    </pc:docChg>
-  </pc:docChgLst>
-</pc:chgInfo>
-</file>
-
 <file path=ppt/slideLayouts/slideLayout1.xml><?xml version="1.0" encoding="utf-8"?>
 <p:sldLayout xmlns:a="http://schemas.openxmlformats.org/drawingml/2006/main" xmlns:r="http://schemas.openxmlformats.org/officeDocument/2006/relationships" xmlns:p="http://schemas.openxmlformats.org/presentationml/2006/main" showMasterSp="0" type="title" preserve="1">
   <p:cSld name="Diapositive de titre">
@@ -1202,7 +901,7 @@
             <a:fld id="{D57F1E4F-1CFF-5643-939E-217C01CDF565}" type="slidenum">
               <a:rPr lang="en-US" dirty="0"/>
               <a:pPr/>
-              <a:t>‹N°›</a:t>
+              <a:t>‹#›</a:t>
             </a:fld>
             <a:endParaRPr lang="en-US" dirty="0"/>
           </a:p>
@@ -1450,7 +1149,7 @@
             <a:fld id="{D57F1E4F-1CFF-5643-939E-217C01CDF565}" type="slidenum">
               <a:rPr lang="en-US" dirty="0"/>
               <a:pPr/>
-              <a:t>‹N°›</a:t>
+              <a:t>‹#›</a:t>
             </a:fld>
             <a:endParaRPr lang="en-US" dirty="0"/>
           </a:p>
@@ -1761,7 +1460,7 @@
             <a:fld id="{D57F1E4F-1CFF-5643-939E-217C01CDF565}" type="slidenum">
               <a:rPr lang="en-US" dirty="0"/>
               <a:pPr/>
-              <a:t>‹N°›</a:t>
+              <a:t>‹#›</a:t>
             </a:fld>
             <a:endParaRPr lang="en-US" dirty="0"/>
           </a:p>
@@ -2099,7 +1798,7 @@
             <a:fld id="{D57F1E4F-1CFF-5643-939E-217C01CDF565}" type="slidenum">
               <a:rPr lang="en-US" dirty="0"/>
               <a:pPr/>
-              <a:t>‹N°›</a:t>
+              <a:t>‹#›</a:t>
             </a:fld>
             <a:endParaRPr lang="en-US" dirty="0"/>
           </a:p>
@@ -2410,7 +2109,7 @@
             <a:fld id="{D57F1E4F-1CFF-5643-939E-217C01CDF565}" type="slidenum">
               <a:rPr lang="en-US" dirty="0"/>
               <a:pPr/>
-              <a:t>‹N°›</a:t>
+              <a:t>‹#›</a:t>
             </a:fld>
             <a:endParaRPr lang="en-US" dirty="0"/>
           </a:p>
@@ -2800,7 +2499,7 @@
             <a:fld id="{D57F1E4F-1CFF-5643-939E-217C01CDF565}" type="slidenum">
               <a:rPr lang="en-US" dirty="0"/>
               <a:pPr/>
-              <a:t>‹N°›</a:t>
+              <a:t>‹#›</a:t>
             </a:fld>
             <a:endParaRPr lang="en-US" dirty="0"/>
           </a:p>
@@ -2965,7 +2664,7 @@
           <a:p>
             <a:fld id="{89333C77-0158-454C-844F-B7AB9BD7DAD4}" type="slidenum">
               <a:rPr lang="en-US" dirty="0"/>
-              <a:t>‹N°›</a:t>
+              <a:t>‹#›</a:t>
             </a:fld>
             <a:endParaRPr lang="en-US" dirty="0"/>
           </a:p>
@@ -3142,7 +2841,7 @@
             <a:fld id="{D57F1E4F-1CFF-5643-939E-217C01CDF565}" type="slidenum">
               <a:rPr lang="en-US" dirty="0"/>
               <a:pPr/>
-              <a:t>‹N°›</a:t>
+              <a:t>‹#›</a:t>
             </a:fld>
             <a:endParaRPr lang="en-US" dirty="0"/>
           </a:p>
@@ -3315,7 +3014,7 @@
             <a:fld id="{D57F1E4F-1CFF-5643-939E-217C01CDF565}" type="slidenum">
               <a:rPr lang="en-US" dirty="0"/>
               <a:pPr/>
-              <a:t>‹N°›</a:t>
+              <a:t>‹#›</a:t>
             </a:fld>
             <a:endParaRPr lang="en-US" dirty="0"/>
           </a:p>
@@ -3559,7 +3258,7 @@
             <a:fld id="{D57F1E4F-1CFF-5643-939E-217C01CDF565}" type="slidenum">
               <a:rPr lang="en-US" dirty="0"/>
               <a:pPr/>
-              <a:t>‹N°›</a:t>
+              <a:t>‹#›</a:t>
             </a:fld>
             <a:endParaRPr lang="en-US" dirty="0"/>
           </a:p>
@@ -3786,7 +3485,7 @@
           <a:p>
             <a:fld id="{6FF9F0C5-380F-41C2-899A-BAC0F0927E16}" type="slidenum">
               <a:rPr lang="en-US" dirty="0"/>
-              <a:t>‹N°›</a:t>
+              <a:t>‹#›</a:t>
             </a:fld>
             <a:endParaRPr lang="en-US" dirty="0"/>
           </a:p>
@@ -4157,7 +3856,7 @@
             <a:fld id="{D57F1E4F-1CFF-5643-939E-217C01CDF565}" type="slidenum">
               <a:rPr lang="en-US" dirty="0"/>
               <a:pPr/>
-              <a:t>‹N°›</a:t>
+              <a:t>‹#›</a:t>
             </a:fld>
             <a:endParaRPr lang="en-US" dirty="0"/>
           </a:p>
@@ -4277,7 +3976,7 @@
             <a:fld id="{D57F1E4F-1CFF-5643-939E-217C01CDF565}" type="slidenum">
               <a:rPr lang="en-US" dirty="0"/>
               <a:pPr/>
-              <a:t>‹N°›</a:t>
+              <a:t>‹#›</a:t>
             </a:fld>
             <a:endParaRPr lang="en-US" dirty="0"/>
           </a:p>
@@ -4369,7 +4068,7 @@
             <a:fld id="{D57F1E4F-1CFF-5643-939E-217C01CDF565}" type="slidenum">
               <a:rPr lang="en-US" dirty="0"/>
               <a:pPr/>
-              <a:t>‹N°›</a:t>
+              <a:t>‹#›</a:t>
             </a:fld>
             <a:endParaRPr lang="en-US" dirty="0"/>
           </a:p>
@@ -4619,7 +4318,7 @@
           <a:p>
             <a:fld id="{519954A3-9DFD-4C44-94BA-B95130A3BA1C}" type="slidenum">
               <a:rPr lang="en-US" dirty="0"/>
-              <a:t>‹N°›</a:t>
+              <a:t>‹#›</a:t>
             </a:fld>
             <a:endParaRPr lang="en-US" dirty="0"/>
           </a:p>
@@ -4879,7 +4578,7 @@
             <a:fld id="{D57F1E4F-1CFF-5643-939E-217C01CDF565}" type="slidenum">
               <a:rPr lang="en-US" dirty="0"/>
               <a:pPr/>
-              <a:t>‹N°›</a:t>
+              <a:t>‹#›</a:t>
             </a:fld>
             <a:endParaRPr lang="en-US" dirty="0"/>
           </a:p>
@@ -5653,7 +5352,7 @@
             <a:fld id="{D57F1E4F-1CFF-5643-939E-217C01CDF565}" type="slidenum">
               <a:rPr lang="en-US" dirty="0"/>
               <a:pPr/>
-              <a:t>‹N°›</a:t>
+              <a:t>‹#›</a:t>
             </a:fld>
             <a:endParaRPr lang="en-US" dirty="0"/>
           </a:p>
@@ -8578,7 +8277,159 @@
           </a:bodyPr>
           <a:lstStyle/>
           <a:p>
-            <a:endParaRPr lang="en-US">
+            <a:r>
+              <a:rPr lang="en-US" dirty="0" err="1">
+                <a:solidFill>
+                  <a:schemeClr val="bg1"/>
+                </a:solidFill>
+              </a:rPr>
+              <a:t>Affichage</a:t>
+            </a:r>
+            <a:r>
+              <a:rPr lang="en-US" dirty="0">
+                <a:solidFill>
+                  <a:schemeClr val="bg1"/>
+                </a:solidFill>
+              </a:rPr>
+              <a:t> sous le format web à </a:t>
+            </a:r>
+            <a:r>
+              <a:rPr lang="en-US" dirty="0" err="1">
+                <a:solidFill>
+                  <a:schemeClr val="bg1"/>
+                </a:solidFill>
+              </a:rPr>
+              <a:t>l’aide</a:t>
+            </a:r>
+            <a:r>
+              <a:rPr lang="en-US" dirty="0">
+                <a:solidFill>
+                  <a:schemeClr val="bg1"/>
+                </a:solidFill>
+              </a:rPr>
+              <a:t> d’un </a:t>
+            </a:r>
+            <a:r>
+              <a:rPr lang="en-US" dirty="0" err="1">
+                <a:solidFill>
+                  <a:schemeClr val="bg1"/>
+                </a:solidFill>
+              </a:rPr>
+              <a:t>serveur</a:t>
+            </a:r>
+            <a:endParaRPr lang="en-US" dirty="0">
+              <a:solidFill>
+                <a:schemeClr val="bg1"/>
+              </a:solidFill>
+            </a:endParaRPr>
+          </a:p>
+          <a:p>
+            <a:r>
+              <a:rPr lang="en-US" dirty="0" err="1">
+                <a:solidFill>
+                  <a:schemeClr val="bg1"/>
+                </a:solidFill>
+              </a:rPr>
+              <a:t>Affichage</a:t>
+            </a:r>
+            <a:r>
+              <a:rPr lang="en-US" dirty="0">
+                <a:solidFill>
+                  <a:schemeClr val="bg1"/>
+                </a:solidFill>
+              </a:rPr>
+              <a:t> des </a:t>
+            </a:r>
+            <a:r>
+              <a:rPr lang="en-US" dirty="0" err="1">
+                <a:solidFill>
+                  <a:schemeClr val="bg1"/>
+                </a:solidFill>
+              </a:rPr>
+              <a:t>données</a:t>
+            </a:r>
+            <a:r>
+              <a:rPr lang="en-US" dirty="0">
+                <a:solidFill>
+                  <a:schemeClr val="bg1"/>
+                </a:solidFill>
+              </a:rPr>
+              <a:t> </a:t>
+            </a:r>
+            <a:r>
+              <a:rPr lang="en-US" dirty="0" err="1">
+                <a:solidFill>
+                  <a:schemeClr val="bg1"/>
+                </a:solidFill>
+              </a:rPr>
+              <a:t>en</a:t>
+            </a:r>
+            <a:r>
+              <a:rPr lang="en-US" dirty="0">
+                <a:solidFill>
+                  <a:schemeClr val="bg1"/>
+                </a:solidFill>
+              </a:rPr>
+              <a:t> live (</a:t>
+            </a:r>
+            <a:r>
+              <a:rPr lang="en-US" dirty="0" err="1">
+                <a:solidFill>
+                  <a:schemeClr val="bg1"/>
+                </a:solidFill>
+              </a:rPr>
+              <a:t>idéal</a:t>
+            </a:r>
+            <a:r>
+              <a:rPr lang="en-US" dirty="0">
+                <a:solidFill>
+                  <a:schemeClr val="bg1"/>
+                </a:solidFill>
+              </a:rPr>
+              <a:t>)</a:t>
+            </a:r>
+          </a:p>
+          <a:p>
+            <a:r>
+              <a:rPr lang="en-US" dirty="0">
+                <a:solidFill>
+                  <a:schemeClr val="bg1"/>
+                </a:solidFill>
+              </a:rPr>
+              <a:t>Faire des </a:t>
+            </a:r>
+            <a:r>
+              <a:rPr lang="en-US" dirty="0" err="1">
+                <a:solidFill>
+                  <a:schemeClr val="bg1"/>
+                </a:solidFill>
+              </a:rPr>
+              <a:t>statistiques</a:t>
+            </a:r>
+            <a:r>
+              <a:rPr lang="en-US" dirty="0">
+                <a:solidFill>
+                  <a:schemeClr val="bg1"/>
+                </a:solidFill>
+              </a:rPr>
+              <a:t> des </a:t>
+            </a:r>
+            <a:r>
+              <a:rPr lang="en-US" dirty="0" err="1">
+                <a:solidFill>
+                  <a:schemeClr val="bg1"/>
+                </a:solidFill>
+              </a:rPr>
+              <a:t>données</a:t>
+            </a:r>
+            <a:endParaRPr lang="en-US" dirty="0">
+              <a:solidFill>
+                <a:schemeClr val="bg1"/>
+              </a:solidFill>
+            </a:endParaRPr>
+          </a:p>
+          <a:p>
+            <a:endParaRPr lang="en-US" dirty="0">
               <a:solidFill>
                 <a:schemeClr val="bg1"/>
               </a:solidFill>
@@ -9636,11 +9487,257 @@
           </a:bodyPr>
           <a:lstStyle/>
           <a:p>
-            <a:endParaRPr lang="en-US">
+            <a:r>
+              <a:rPr lang="en-US" dirty="0">
+                <a:solidFill>
+                  <a:schemeClr val="bg1"/>
+                </a:solidFill>
+              </a:rPr>
+              <a:t>Formations infrastructure (</a:t>
+            </a:r>
+            <a:r>
+              <a:rPr lang="en-US" dirty="0" err="1">
+                <a:solidFill>
+                  <a:schemeClr val="bg1"/>
+                </a:solidFill>
+              </a:rPr>
+              <a:t>serveur</a:t>
+            </a:r>
+            <a:r>
+              <a:rPr lang="en-US" dirty="0">
+                <a:solidFill>
+                  <a:schemeClr val="bg1"/>
+                </a:solidFill>
+              </a:rPr>
+              <a:t>)</a:t>
+            </a:r>
+          </a:p>
+          <a:p>
+            <a:r>
+              <a:rPr lang="en-US" dirty="0">
+                <a:solidFill>
+                  <a:schemeClr val="bg1"/>
+                </a:solidFill>
+              </a:rPr>
+              <a:t>Formations </a:t>
+            </a:r>
+            <a:r>
+              <a:rPr lang="en-US" dirty="0" err="1">
+                <a:solidFill>
+                  <a:schemeClr val="bg1"/>
+                </a:solidFill>
+              </a:rPr>
+              <a:t>developpement</a:t>
+            </a:r>
+            <a:r>
+              <a:rPr lang="en-US" dirty="0">
+                <a:solidFill>
+                  <a:schemeClr val="bg1"/>
+                </a:solidFill>
+              </a:rPr>
+              <a:t> front-end (html / </a:t>
+            </a:r>
+            <a:r>
+              <a:rPr lang="en-US" dirty="0" err="1">
+                <a:solidFill>
+                  <a:schemeClr val="bg1"/>
+                </a:solidFill>
+              </a:rPr>
+              <a:t>metroUI</a:t>
+            </a:r>
+            <a:r>
+              <a:rPr lang="en-US" dirty="0">
+                <a:solidFill>
+                  <a:schemeClr val="bg1"/>
+                </a:solidFill>
+              </a:rPr>
+              <a:t> / </a:t>
+            </a:r>
+            <a:r>
+              <a:rPr lang="en-US" dirty="0" err="1">
+                <a:solidFill>
+                  <a:schemeClr val="bg1"/>
+                </a:solidFill>
+              </a:rPr>
+              <a:t>javascript</a:t>
+            </a:r>
+            <a:r>
+              <a:rPr lang="en-US" dirty="0">
+                <a:solidFill>
+                  <a:schemeClr val="bg1"/>
+                </a:solidFill>
+              </a:rPr>
+              <a:t>, etc.)</a:t>
+            </a:r>
+          </a:p>
+          <a:p>
+            <a:r>
+              <a:rPr lang="en-US" dirty="0" err="1">
+                <a:solidFill>
+                  <a:schemeClr val="bg1"/>
+                </a:solidFill>
+              </a:rPr>
+              <a:t>Majorité</a:t>
+            </a:r>
+            <a:r>
+              <a:rPr lang="en-US" dirty="0">
+                <a:solidFill>
+                  <a:schemeClr val="bg1"/>
+                </a:solidFill>
+              </a:rPr>
+              <a:t> des formations </a:t>
+            </a:r>
+            <a:r>
+              <a:rPr lang="en-US" dirty="0" err="1">
+                <a:solidFill>
+                  <a:schemeClr val="bg1"/>
+                </a:solidFill>
+              </a:rPr>
+              <a:t>sont</a:t>
+            </a:r>
+            <a:r>
+              <a:rPr lang="en-US" dirty="0">
+                <a:solidFill>
+                  <a:schemeClr val="bg1"/>
+                </a:solidFill>
+              </a:rPr>
+              <a:t> </a:t>
+            </a:r>
+            <a:r>
+              <a:rPr lang="en-US" dirty="0" err="1">
+                <a:solidFill>
+                  <a:schemeClr val="bg1"/>
+                </a:solidFill>
+              </a:rPr>
+              <a:t>en</a:t>
+            </a:r>
+            <a:r>
+              <a:rPr lang="en-US" dirty="0">
+                <a:solidFill>
+                  <a:schemeClr val="bg1"/>
+                </a:solidFill>
+              </a:rPr>
+              <a:t> continues </a:t>
+            </a:r>
+            <a:r>
+              <a:rPr lang="en-US" dirty="0" err="1">
+                <a:solidFill>
+                  <a:schemeClr val="bg1"/>
+                </a:solidFill>
+              </a:rPr>
+              <a:t>selon</a:t>
+            </a:r>
+            <a:r>
+              <a:rPr lang="en-US" dirty="0">
+                <a:solidFill>
+                  <a:schemeClr val="bg1"/>
+                </a:solidFill>
+              </a:rPr>
+              <a:t> les </a:t>
+            </a:r>
+            <a:r>
+              <a:rPr lang="en-US" dirty="0" err="1">
+                <a:solidFill>
+                  <a:schemeClr val="bg1"/>
+                </a:solidFill>
+              </a:rPr>
+              <a:t>besoins</a:t>
+            </a:r>
+            <a:endParaRPr lang="en-US" dirty="0">
               <a:solidFill>
                 <a:schemeClr val="bg1"/>
               </a:solidFill>
             </a:endParaRPr>
+          </a:p>
+          <a:p>
+            <a:r>
+              <a:rPr lang="en-US" dirty="0">
+                <a:solidFill>
+                  <a:schemeClr val="bg1"/>
+                </a:solidFill>
+              </a:rPr>
+              <a:t>Restraint par </a:t>
+            </a:r>
+            <a:r>
+              <a:rPr lang="en-US" dirty="0" err="1">
+                <a:solidFill>
+                  <a:schemeClr val="bg1"/>
+                </a:solidFill>
+              </a:rPr>
+              <a:t>nos</a:t>
+            </a:r>
+            <a:r>
+              <a:rPr lang="en-US" dirty="0">
+                <a:solidFill>
+                  <a:schemeClr val="bg1"/>
+                </a:solidFill>
+              </a:rPr>
+              <a:t> </a:t>
+            </a:r>
+            <a:r>
+              <a:rPr lang="en-US" dirty="0" err="1">
+                <a:solidFill>
+                  <a:schemeClr val="bg1"/>
+                </a:solidFill>
+              </a:rPr>
+              <a:t>connaissances</a:t>
+            </a:r>
+            <a:r>
+              <a:rPr lang="en-US" dirty="0">
+                <a:solidFill>
+                  <a:schemeClr val="bg1"/>
+                </a:solidFill>
+              </a:rPr>
+              <a:t> </a:t>
+            </a:r>
+            <a:r>
+              <a:rPr lang="en-US" dirty="0" err="1">
+                <a:solidFill>
+                  <a:schemeClr val="bg1"/>
+                </a:solidFill>
+              </a:rPr>
+              <a:t>en</a:t>
+            </a:r>
+            <a:r>
+              <a:rPr lang="en-US" dirty="0">
+                <a:solidFill>
+                  <a:schemeClr val="bg1"/>
+                </a:solidFill>
+              </a:rPr>
+              <a:t> </a:t>
+            </a:r>
+            <a:r>
+              <a:rPr lang="en-US" dirty="0" err="1">
+                <a:solidFill>
+                  <a:schemeClr val="bg1"/>
+                </a:solidFill>
+              </a:rPr>
+              <a:t>tant</a:t>
+            </a:r>
+            <a:r>
+              <a:rPr lang="en-US" dirty="0">
+                <a:solidFill>
+                  <a:schemeClr val="bg1"/>
+                </a:solidFill>
+              </a:rPr>
+              <a:t> </a:t>
+            </a:r>
+            <a:r>
+              <a:rPr lang="en-US" dirty="0" err="1">
+                <a:solidFill>
+                  <a:schemeClr val="bg1"/>
+                </a:solidFill>
+              </a:rPr>
+              <a:t>qu’étudiants</a:t>
+            </a:r>
+            <a:r>
+              <a:rPr lang="en-US" dirty="0">
+                <a:solidFill>
+                  <a:schemeClr val="bg1"/>
+                </a:solidFill>
+              </a:rPr>
+              <a:t>.</a:t>
+            </a:r>
           </a:p>
         </p:txBody>
       </p:sp>
@@ -9848,43 +9945,21 @@
           </a:lstStyle>
           <a:p>
             <a:r>
-              <a:rPr lang="en-US">
+              <a:rPr lang="en-US" dirty="0" err="1">
                 <a:solidFill>
                   <a:schemeClr val="bg1"/>
                 </a:solidFill>
               </a:rPr>
-              <a:t>Affichage des données</a:t>
-            </a:r>
-            <a:endParaRPr lang="en-US" dirty="0">
-              <a:solidFill>
-                <a:schemeClr val="bg1"/>
-              </a:solidFill>
-            </a:endParaRPr>
-          </a:p>
-        </p:txBody>
-      </p:sp>
-      <p:sp>
-        <p:nvSpPr>
-          <p:cNvPr id="6" name="Titre 5">
-            <a:extLst>
-              <a:ext uri="{FF2B5EF4-FFF2-40B4-BE49-F238E27FC236}">
-                <a16:creationId xmlns:a16="http://schemas.microsoft.com/office/drawing/2014/main" id="{D8356927-740C-4F5C-BBBA-225A55F09B68}"/>
-              </a:ext>
-            </a:extLst>
-          </p:cNvPr>
-          <p:cNvSpPr>
-            <a:spLocks noGrp="1"/>
-          </p:cNvSpPr>
-          <p:nvPr>
-            <p:ph type="title"/>
-          </p:nvPr>
-        </p:nvSpPr>
-        <p:spPr/>
-        <p:txBody>
-          <a:bodyPr/>
-          <a:lstStyle/>
-          <a:p>
-            <a:endParaRPr lang="fr-CA"/>
+              <a:t>Contraintes</a:t>
+            </a:r>
+            <a:r>
+              <a:rPr lang="en-US" dirty="0">
+                <a:solidFill>
+                  <a:schemeClr val="bg1"/>
+                </a:solidFill>
+              </a:rPr>
+              <a:t> front-end</a:t>
+            </a:r>
           </a:p>
         </p:txBody>
       </p:sp>
@@ -16341,7 +16416,7 @@
           <a:lstStyle/>
           <a:p>
             <a:r>
-              <a:rPr lang="en-US">
+              <a:rPr lang="en-US" dirty="0">
                 <a:solidFill>
                   <a:schemeClr val="bg1"/>
                 </a:solidFill>
@@ -16379,7 +16454,221 @@
           </a:bodyPr>
           <a:lstStyle/>
           <a:p>
-            <a:endParaRPr lang="en-US">
+            <a:r>
+              <a:rPr lang="en-US" dirty="0">
+                <a:solidFill>
+                  <a:schemeClr val="bg1"/>
+                </a:solidFill>
+              </a:rPr>
+              <a:t>Résumé du </a:t>
+            </a:r>
+            <a:r>
+              <a:rPr lang="en-US" dirty="0" err="1">
+                <a:solidFill>
+                  <a:schemeClr val="bg1"/>
+                </a:solidFill>
+              </a:rPr>
+              <a:t>projets</a:t>
+            </a:r>
+            <a:endParaRPr lang="en-US" dirty="0">
+              <a:solidFill>
+                <a:schemeClr val="bg1"/>
+              </a:solidFill>
+            </a:endParaRPr>
+          </a:p>
+          <a:p>
+            <a:r>
+              <a:rPr lang="en-US" dirty="0">
+                <a:solidFill>
+                  <a:schemeClr val="bg1"/>
+                </a:solidFill>
+              </a:rPr>
+              <a:t>Notre </a:t>
+            </a:r>
+            <a:r>
+              <a:rPr lang="en-US" dirty="0" err="1">
+                <a:solidFill>
+                  <a:schemeClr val="bg1"/>
+                </a:solidFill>
+              </a:rPr>
+              <a:t>clientèle</a:t>
+            </a:r>
+            <a:r>
+              <a:rPr lang="en-US" dirty="0">
+                <a:solidFill>
+                  <a:schemeClr val="bg1"/>
+                </a:solidFill>
+              </a:rPr>
+              <a:t> </a:t>
+            </a:r>
+            <a:r>
+              <a:rPr lang="en-US" dirty="0" err="1">
+                <a:solidFill>
+                  <a:schemeClr val="bg1"/>
+                </a:solidFill>
+              </a:rPr>
+              <a:t>cible</a:t>
+            </a:r>
+            <a:endParaRPr lang="en-US" dirty="0">
+              <a:solidFill>
+                <a:schemeClr val="bg1"/>
+              </a:solidFill>
+            </a:endParaRPr>
+          </a:p>
+          <a:p>
+            <a:r>
+              <a:rPr lang="en-US" dirty="0">
+                <a:solidFill>
+                  <a:schemeClr val="bg1"/>
+                </a:solidFill>
+              </a:rPr>
+              <a:t>Les </a:t>
+            </a:r>
+            <a:r>
+              <a:rPr lang="en-US" dirty="0" err="1">
+                <a:solidFill>
+                  <a:schemeClr val="bg1"/>
+                </a:solidFill>
+              </a:rPr>
+              <a:t>grandes</a:t>
+            </a:r>
+            <a:r>
+              <a:rPr lang="en-US" dirty="0">
+                <a:solidFill>
+                  <a:schemeClr val="bg1"/>
+                </a:solidFill>
+              </a:rPr>
+              <a:t> </a:t>
+            </a:r>
+            <a:r>
+              <a:rPr lang="en-US" dirty="0" err="1">
+                <a:solidFill>
+                  <a:schemeClr val="bg1"/>
+                </a:solidFill>
+              </a:rPr>
+              <a:t>étapes</a:t>
+            </a:r>
+            <a:r>
+              <a:rPr lang="en-US" dirty="0">
+                <a:solidFill>
+                  <a:schemeClr val="bg1"/>
+                </a:solidFill>
+              </a:rPr>
+              <a:t> de </a:t>
+            </a:r>
+            <a:r>
+              <a:rPr lang="en-US" dirty="0" err="1">
+                <a:solidFill>
+                  <a:schemeClr val="bg1"/>
+                </a:solidFill>
+              </a:rPr>
+              <a:t>développement</a:t>
+            </a:r>
+            <a:endParaRPr lang="en-US" dirty="0">
+              <a:solidFill>
+                <a:schemeClr val="bg1"/>
+              </a:solidFill>
+            </a:endParaRPr>
+          </a:p>
+          <a:p>
+            <a:r>
+              <a:rPr lang="en-US" dirty="0">
+                <a:solidFill>
+                  <a:schemeClr val="bg1"/>
+                </a:solidFill>
+              </a:rPr>
+              <a:t>Le </a:t>
+            </a:r>
+            <a:r>
+              <a:rPr lang="en-US" dirty="0" err="1">
+                <a:solidFill>
+                  <a:schemeClr val="bg1"/>
+                </a:solidFill>
+              </a:rPr>
+              <a:t>potentiel</a:t>
+            </a:r>
+            <a:r>
+              <a:rPr lang="en-US" dirty="0">
+                <a:solidFill>
+                  <a:schemeClr val="bg1"/>
+                </a:solidFill>
+              </a:rPr>
+              <a:t> de </a:t>
+            </a:r>
+            <a:r>
+              <a:rPr lang="en-US" dirty="0" err="1">
+                <a:solidFill>
+                  <a:schemeClr val="bg1"/>
+                </a:solidFill>
+              </a:rPr>
+              <a:t>notre</a:t>
+            </a:r>
+            <a:r>
+              <a:rPr lang="en-US" dirty="0">
+                <a:solidFill>
+                  <a:schemeClr val="bg1"/>
+                </a:solidFill>
+              </a:rPr>
+              <a:t> </a:t>
+            </a:r>
+            <a:r>
+              <a:rPr lang="en-US" dirty="0" err="1">
+                <a:solidFill>
+                  <a:schemeClr val="bg1"/>
+                </a:solidFill>
+              </a:rPr>
+              <a:t>projet</a:t>
+            </a:r>
+            <a:r>
+              <a:rPr lang="en-US" dirty="0">
+                <a:solidFill>
+                  <a:schemeClr val="bg1"/>
+                </a:solidFill>
+              </a:rPr>
+              <a:t> et de </a:t>
+            </a:r>
+            <a:r>
+              <a:rPr lang="en-US" dirty="0" err="1">
+                <a:solidFill>
+                  <a:schemeClr val="bg1"/>
+                </a:solidFill>
+              </a:rPr>
+              <a:t>l’implantation</a:t>
+            </a:r>
+            <a:r>
+              <a:rPr lang="en-US" dirty="0">
+                <a:solidFill>
+                  <a:schemeClr val="bg1"/>
+                </a:solidFill>
+              </a:rPr>
+              <a:t> dans la “</a:t>
+            </a:r>
+            <a:r>
+              <a:rPr lang="en-US" dirty="0" err="1">
+                <a:solidFill>
+                  <a:schemeClr val="bg1"/>
+                </a:solidFill>
+              </a:rPr>
+              <a:t>vraie</a:t>
+            </a:r>
+            <a:r>
+              <a:rPr lang="en-US" dirty="0">
+                <a:solidFill>
+                  <a:schemeClr val="bg1"/>
+                </a:solidFill>
+              </a:rPr>
+              <a:t> vie”</a:t>
+            </a:r>
+          </a:p>
+          <a:p>
+            <a:endParaRPr lang="en-US" dirty="0">
+              <a:solidFill>
+                <a:schemeClr val="bg1"/>
+              </a:solidFill>
+            </a:endParaRPr>
+          </a:p>
+          <a:p>
+            <a:endParaRPr lang="en-US" dirty="0">
               <a:solidFill>
                 <a:schemeClr val="bg1"/>
               </a:solidFill>
